--- a/Игра Daggerfall.pptx
+++ b/Игра Daggerfall.pptx
@@ -7,16 +7,13 @@
   <p:sldIdLst>
     <p:sldId id="257" r:id="rId2"/>
     <p:sldId id="258" r:id="rId3"/>
-    <p:sldId id="259" r:id="rId4"/>
-    <p:sldId id="260" r:id="rId5"/>
-    <p:sldId id="261" r:id="rId6"/>
-    <p:sldId id="262" r:id="rId7"/>
-    <p:sldId id="263" r:id="rId8"/>
-    <p:sldId id="268" r:id="rId9"/>
-    <p:sldId id="265" r:id="rId10"/>
-    <p:sldId id="266" r:id="rId11"/>
-    <p:sldId id="267" r:id="rId12"/>
-    <p:sldId id="269" r:id="rId13"/>
+    <p:sldId id="260" r:id="rId4"/>
+    <p:sldId id="261" r:id="rId5"/>
+    <p:sldId id="262" r:id="rId6"/>
+    <p:sldId id="263" r:id="rId7"/>
+    <p:sldId id="265" r:id="rId8"/>
+    <p:sldId id="266" r:id="rId9"/>
+    <p:sldId id="267" r:id="rId10"/>
   </p:sldIdLst>
   <p:sldSz cx="12192000" cy="6858000"/>
   <p:notesSz cx="6858000" cy="9144000"/>
@@ -115,6 +112,11 @@
       </a:defRPr>
     </a:lvl9pPr>
   </p:defaultTextStyle>
+  <p:extLst>
+    <p:ext uri="{EFAFB233-063F-42B5-8137-9DF3F51BA10A}">
+      <p15:sldGuideLst xmlns:p15="http://schemas.microsoft.com/office/powerpoint/2012/main"/>
+    </p:ext>
+  </p:extLst>
 </p:presentation>
 </file>
 
@@ -453,7 +455,7 @@
           <a:p>
             <a:fld id="{8559758C-A112-42A3-BE09-975A87A17DDF}" type="datetimeFigureOut">
               <a:rPr lang="ru-RU" smtClean="0"/>
-              <a:t>07.11.2022</a:t>
+              <a:t>10.11.2022</a:t>
             </a:fld>
             <a:endParaRPr lang="ru-RU"/>
           </a:p>
@@ -1541,7 +1543,7 @@
           <a:p>
             <a:fld id="{8559758C-A112-42A3-BE09-975A87A17DDF}" type="datetimeFigureOut">
               <a:rPr lang="ru-RU" smtClean="0"/>
-              <a:t>07.11.2022</a:t>
+              <a:t>10.11.2022</a:t>
             </a:fld>
             <a:endParaRPr lang="ru-RU"/>
           </a:p>
@@ -2521,7 +2523,7 @@
           <a:p>
             <a:fld id="{8559758C-A112-42A3-BE09-975A87A17DDF}" type="datetimeFigureOut">
               <a:rPr lang="ru-RU" smtClean="0"/>
-              <a:t>07.11.2022</a:t>
+              <a:t>10.11.2022</a:t>
             </a:fld>
             <a:endParaRPr lang="ru-RU"/>
           </a:p>
@@ -3655,7 +3657,7 @@
           <a:p>
             <a:fld id="{8559758C-A112-42A3-BE09-975A87A17DDF}" type="datetimeFigureOut">
               <a:rPr lang="ru-RU" smtClean="0"/>
-              <a:t>07.11.2022</a:t>
+              <a:t>10.11.2022</a:t>
             </a:fld>
             <a:endParaRPr lang="ru-RU"/>
           </a:p>
@@ -4688,7 +4690,7 @@
           <a:p>
             <a:fld id="{8559758C-A112-42A3-BE09-975A87A17DDF}" type="datetimeFigureOut">
               <a:rPr lang="ru-RU" smtClean="0"/>
-              <a:t>07.11.2022</a:t>
+              <a:t>10.11.2022</a:t>
             </a:fld>
             <a:endParaRPr lang="ru-RU"/>
           </a:p>
@@ -5348,7 +5350,7 @@
           <a:p>
             <a:fld id="{8559758C-A112-42A3-BE09-975A87A17DDF}" type="datetimeFigureOut">
               <a:rPr lang="ru-RU" smtClean="0"/>
-              <a:t>07.11.2022</a:t>
+              <a:t>10.11.2022</a:t>
             </a:fld>
             <a:endParaRPr lang="ru-RU"/>
           </a:p>
@@ -6209,7 +6211,7 @@
           <a:p>
             <a:fld id="{8559758C-A112-42A3-BE09-975A87A17DDF}" type="datetimeFigureOut">
               <a:rPr lang="ru-RU" smtClean="0"/>
-              <a:t>07.11.2022</a:t>
+              <a:t>10.11.2022</a:t>
             </a:fld>
             <a:endParaRPr lang="ru-RU"/>
           </a:p>
@@ -6399,7 +6401,7 @@
           <a:p>
             <a:fld id="{8559758C-A112-42A3-BE09-975A87A17DDF}" type="datetimeFigureOut">
               <a:rPr lang="ru-RU" smtClean="0"/>
-              <a:t>07.11.2022</a:t>
+              <a:t>10.11.2022</a:t>
             </a:fld>
             <a:endParaRPr lang="ru-RU"/>
           </a:p>
@@ -7371,7 +7373,7 @@
           <a:p>
             <a:fld id="{8559758C-A112-42A3-BE09-975A87A17DDF}" type="datetimeFigureOut">
               <a:rPr lang="ru-RU" smtClean="0"/>
-              <a:t>07.11.2022</a:t>
+              <a:t>10.11.2022</a:t>
             </a:fld>
             <a:endParaRPr lang="ru-RU"/>
           </a:p>
@@ -7582,7 +7584,7 @@
           <a:p>
             <a:fld id="{8559758C-A112-42A3-BE09-975A87A17DDF}" type="datetimeFigureOut">
               <a:rPr lang="ru-RU" smtClean="0"/>
-              <a:t>07.11.2022</a:t>
+              <a:t>10.11.2022</a:t>
             </a:fld>
             <a:endParaRPr lang="ru-RU"/>
           </a:p>
@@ -8616,7 +8618,7 @@
           <a:p>
             <a:fld id="{8559758C-A112-42A3-BE09-975A87A17DDF}" type="datetimeFigureOut">
               <a:rPr lang="ru-RU" smtClean="0"/>
-              <a:t>07.11.2022</a:t>
+              <a:t>10.11.2022</a:t>
             </a:fld>
             <a:endParaRPr lang="ru-RU"/>
           </a:p>
@@ -8888,7 +8890,7 @@
           <a:p>
             <a:fld id="{8559758C-A112-42A3-BE09-975A87A17DDF}" type="datetimeFigureOut">
               <a:rPr lang="ru-RU" smtClean="0"/>
-              <a:t>07.11.2022</a:t>
+              <a:t>10.11.2022</a:t>
             </a:fld>
             <a:endParaRPr lang="ru-RU"/>
           </a:p>
@@ -9298,7 +9300,7 @@
           <a:p>
             <a:fld id="{8559758C-A112-42A3-BE09-975A87A17DDF}" type="datetimeFigureOut">
               <a:rPr lang="ru-RU" smtClean="0"/>
-              <a:t>07.11.2022</a:t>
+              <a:t>10.11.2022</a:t>
             </a:fld>
             <a:endParaRPr lang="ru-RU"/>
           </a:p>
@@ -9425,7 +9427,7 @@
           <a:p>
             <a:fld id="{8559758C-A112-42A3-BE09-975A87A17DDF}" type="datetimeFigureOut">
               <a:rPr lang="ru-RU" smtClean="0"/>
-              <a:t>07.11.2022</a:t>
+              <a:t>10.11.2022</a:t>
             </a:fld>
             <a:endParaRPr lang="ru-RU"/>
           </a:p>
@@ -9520,7 +9522,7 @@
           <a:p>
             <a:fld id="{8559758C-A112-42A3-BE09-975A87A17DDF}" type="datetimeFigureOut">
               <a:rPr lang="ru-RU" smtClean="0"/>
-              <a:t>07.11.2022</a:t>
+              <a:t>10.11.2022</a:t>
             </a:fld>
             <a:endParaRPr lang="ru-RU"/>
           </a:p>
@@ -10601,7 +10603,7 @@
           <a:p>
             <a:fld id="{8559758C-A112-42A3-BE09-975A87A17DDF}" type="datetimeFigureOut">
               <a:rPr lang="ru-RU" smtClean="0"/>
-              <a:t>07.11.2022</a:t>
+              <a:t>10.11.2022</a:t>
             </a:fld>
             <a:endParaRPr lang="ru-RU"/>
           </a:p>
@@ -11709,7 +11711,7 @@
           <a:p>
             <a:fld id="{8559758C-A112-42A3-BE09-975A87A17DDF}" type="datetimeFigureOut">
               <a:rPr lang="ru-RU" smtClean="0"/>
-              <a:t>07.11.2022</a:t>
+              <a:t>10.11.2022</a:t>
             </a:fld>
             <a:endParaRPr lang="ru-RU"/>
           </a:p>
@@ -12706,7 +12708,7 @@
           <a:p>
             <a:fld id="{8559758C-A112-42A3-BE09-975A87A17DDF}" type="datetimeFigureOut">
               <a:rPr lang="ru-RU" smtClean="0"/>
-              <a:t>07.11.2022</a:t>
+              <a:t>10.11.2022</a:t>
             </a:fld>
             <a:endParaRPr lang="ru-RU"/>
           </a:p>
@@ -13355,349 +13357,6 @@
 </p:sld>
 </file>
 
-<file path=ppt/slides/slide10.xml><?xml version="1.0" encoding="utf-8"?>
-<p:sld xmlns:a="http://schemas.openxmlformats.org/drawingml/2006/main" xmlns:r="http://schemas.openxmlformats.org/officeDocument/2006/relationships" xmlns:p="http://schemas.openxmlformats.org/presentationml/2006/main">
-  <p:cSld>
-    <p:spTree>
-      <p:nvGrpSpPr>
-        <p:cNvPr id="1" name=""/>
-        <p:cNvGrpSpPr/>
-        <p:nvPr/>
-      </p:nvGrpSpPr>
-      <p:grpSpPr>
-        <a:xfrm>
-          <a:off x="0" y="0"/>
-          <a:ext cx="0" cy="0"/>
-          <a:chOff x="0" y="0"/>
-          <a:chExt cx="0" cy="0"/>
-        </a:xfrm>
-      </p:grpSpPr>
-      <p:sp>
-        <p:nvSpPr>
-          <p:cNvPr id="2" name="Заголовок 1"/>
-          <p:cNvSpPr>
-            <a:spLocks noGrp="1"/>
-          </p:cNvSpPr>
-          <p:nvPr>
-            <p:ph type="title"/>
-          </p:nvPr>
-        </p:nvSpPr>
-        <p:spPr/>
-        <p:txBody>
-          <a:bodyPr/>
-          <a:lstStyle/>
-          <a:p>
-            <a:r>
-              <a:rPr lang="ru-RU" dirty="0" smtClean="0"/>
-              <a:t>Гриб</a:t>
-            </a:r>
-            <a:endParaRPr lang="ru-RU" dirty="0"/>
-          </a:p>
-        </p:txBody>
-      </p:sp>
-      <p:sp>
-        <p:nvSpPr>
-          <p:cNvPr id="3" name="Объект 2"/>
-          <p:cNvSpPr>
-            <a:spLocks noGrp="1"/>
-          </p:cNvSpPr>
-          <p:nvPr>
-            <p:ph idx="1"/>
-          </p:nvPr>
-        </p:nvSpPr>
-        <p:spPr/>
-        <p:txBody>
-          <a:bodyPr/>
-          <a:lstStyle/>
-          <a:p>
-            <a:r>
-              <a:rPr lang="ru-RU" dirty="0" smtClean="0"/>
-              <a:t>Базовая атака – 2</a:t>
-            </a:r>
-          </a:p>
-          <a:p>
-            <a:r>
-              <a:rPr lang="ru-RU" dirty="0" smtClean="0"/>
-              <a:t>Базовое здоровье – 20</a:t>
-            </a:r>
-          </a:p>
-          <a:p>
-            <a:r>
-              <a:rPr lang="ru-RU" dirty="0" smtClean="0"/>
-              <a:t>Доступные способности: исцеление</a:t>
-            </a:r>
-          </a:p>
-        </p:txBody>
-      </p:sp>
-      <p:pic>
-        <p:nvPicPr>
-          <p:cNvPr id="4" name="Рисунок 3"/>
-          <p:cNvPicPr>
-            <a:picLocks noChangeAspect="1"/>
-          </p:cNvPicPr>
-          <p:nvPr/>
-        </p:nvPicPr>
-        <p:blipFill>
-          <a:blip r:embed="rId2"/>
-          <a:stretch>
-            <a:fillRect/>
-          </a:stretch>
-        </p:blipFill>
-        <p:spPr>
-          <a:xfrm>
-            <a:off x="8915400" y="1690688"/>
-            <a:ext cx="2438400" cy="2438400"/>
-          </a:xfrm>
-          <a:prstGeom prst="rect">
-            <a:avLst/>
-          </a:prstGeom>
-        </p:spPr>
-      </p:pic>
-    </p:spTree>
-    <p:extLst>
-      <p:ext uri="{BB962C8B-B14F-4D97-AF65-F5344CB8AC3E}">
-        <p14:creationId xmlns:p14="http://schemas.microsoft.com/office/powerpoint/2010/main" val="3422081735"/>
-      </p:ext>
-    </p:extLst>
-  </p:cSld>
-  <p:clrMapOvr>
-    <a:masterClrMapping/>
-  </p:clrMapOvr>
-  <p:timing>
-    <p:tnLst>
-      <p:par>
-        <p:cTn id="1" dur="indefinite" restart="never" nodeType="tmRoot"/>
-      </p:par>
-    </p:tnLst>
-  </p:timing>
-</p:sld>
-</file>
-
-<file path=ppt/slides/slide11.xml><?xml version="1.0" encoding="utf-8"?>
-<p:sld xmlns:a="http://schemas.openxmlformats.org/drawingml/2006/main" xmlns:r="http://schemas.openxmlformats.org/officeDocument/2006/relationships" xmlns:p="http://schemas.openxmlformats.org/presentationml/2006/main">
-  <p:cSld>
-    <p:spTree>
-      <p:nvGrpSpPr>
-        <p:cNvPr id="1" name=""/>
-        <p:cNvGrpSpPr/>
-        <p:nvPr/>
-      </p:nvGrpSpPr>
-      <p:grpSpPr>
-        <a:xfrm>
-          <a:off x="0" y="0"/>
-          <a:ext cx="0" cy="0"/>
-          <a:chOff x="0" y="0"/>
-          <a:chExt cx="0" cy="0"/>
-        </a:xfrm>
-      </p:grpSpPr>
-      <p:sp>
-        <p:nvSpPr>
-          <p:cNvPr id="2" name="Заголовок 1"/>
-          <p:cNvSpPr>
-            <a:spLocks noGrp="1"/>
-          </p:cNvSpPr>
-          <p:nvPr>
-            <p:ph type="title"/>
-          </p:nvPr>
-        </p:nvSpPr>
-        <p:spPr/>
-        <p:txBody>
-          <a:bodyPr/>
-          <a:lstStyle/>
-          <a:p>
-            <a:r>
-              <a:rPr lang="ru-RU" dirty="0" smtClean="0"/>
-              <a:t>Каменный </a:t>
-            </a:r>
-            <a:r>
-              <a:rPr lang="ru-RU" dirty="0" err="1" smtClean="0"/>
-              <a:t>голем</a:t>
-            </a:r>
-            <a:endParaRPr lang="ru-RU" dirty="0"/>
-          </a:p>
-        </p:txBody>
-      </p:sp>
-      <p:sp>
-        <p:nvSpPr>
-          <p:cNvPr id="3" name="Объект 2"/>
-          <p:cNvSpPr>
-            <a:spLocks noGrp="1"/>
-          </p:cNvSpPr>
-          <p:nvPr>
-            <p:ph idx="1"/>
-          </p:nvPr>
-        </p:nvSpPr>
-        <p:spPr/>
-        <p:txBody>
-          <a:bodyPr/>
-          <a:lstStyle/>
-          <a:p>
-            <a:r>
-              <a:rPr lang="ru-RU" dirty="0" smtClean="0"/>
-              <a:t>Базовая атака – 1</a:t>
-            </a:r>
-          </a:p>
-          <a:p>
-            <a:r>
-              <a:rPr lang="ru-RU" dirty="0" smtClean="0"/>
-              <a:t>Базовое здоровье – 30</a:t>
-            </a:r>
-          </a:p>
-          <a:p>
-            <a:r>
-              <a:rPr lang="ru-RU" dirty="0" smtClean="0"/>
-              <a:t>Доступные способности – исцеление, блок</a:t>
-            </a:r>
-          </a:p>
-        </p:txBody>
-      </p:sp>
-      <p:pic>
-        <p:nvPicPr>
-          <p:cNvPr id="4" name="Рисунок 3"/>
-          <p:cNvPicPr>
-            <a:picLocks noChangeAspect="1"/>
-          </p:cNvPicPr>
-          <p:nvPr/>
-        </p:nvPicPr>
-        <p:blipFill>
-          <a:blip r:embed="rId2"/>
-          <a:stretch>
-            <a:fillRect/>
-          </a:stretch>
-        </p:blipFill>
-        <p:spPr>
-          <a:xfrm>
-            <a:off x="8915400" y="1562894"/>
-            <a:ext cx="2438400" cy="2438400"/>
-          </a:xfrm>
-          <a:prstGeom prst="rect">
-            <a:avLst/>
-          </a:prstGeom>
-        </p:spPr>
-      </p:pic>
-    </p:spTree>
-    <p:extLst>
-      <p:ext uri="{BB962C8B-B14F-4D97-AF65-F5344CB8AC3E}">
-        <p14:creationId xmlns:p14="http://schemas.microsoft.com/office/powerpoint/2010/main" val="2687391448"/>
-      </p:ext>
-    </p:extLst>
-  </p:cSld>
-  <p:clrMapOvr>
-    <a:masterClrMapping/>
-  </p:clrMapOvr>
-  <p:timing>
-    <p:tnLst>
-      <p:par>
-        <p:cTn id="1" dur="indefinite" restart="never" nodeType="tmRoot"/>
-      </p:par>
-    </p:tnLst>
-  </p:timing>
-</p:sld>
-</file>
-
-<file path=ppt/slides/slide12.xml><?xml version="1.0" encoding="utf-8"?>
-<p:sld xmlns:a="http://schemas.openxmlformats.org/drawingml/2006/main" xmlns:r="http://schemas.openxmlformats.org/officeDocument/2006/relationships" xmlns:p="http://schemas.openxmlformats.org/presentationml/2006/main">
-  <p:cSld>
-    <p:spTree>
-      <p:nvGrpSpPr>
-        <p:cNvPr id="1" name=""/>
-        <p:cNvGrpSpPr/>
-        <p:nvPr/>
-      </p:nvGrpSpPr>
-      <p:grpSpPr>
-        <a:xfrm>
-          <a:off x="0" y="0"/>
-          <a:ext cx="0" cy="0"/>
-          <a:chOff x="0" y="0"/>
-          <a:chExt cx="0" cy="0"/>
-        </a:xfrm>
-      </p:grpSpPr>
-      <p:sp>
-        <p:nvSpPr>
-          <p:cNvPr id="2" name="Заголовок 1"/>
-          <p:cNvSpPr>
-            <a:spLocks noGrp="1"/>
-          </p:cNvSpPr>
-          <p:nvPr>
-            <p:ph type="title"/>
-          </p:nvPr>
-        </p:nvSpPr>
-        <p:spPr/>
-        <p:txBody>
-          <a:bodyPr/>
-          <a:lstStyle/>
-          <a:p>
-            <a:r>
-              <a:rPr lang="ru-RU" dirty="0" smtClean="0"/>
-              <a:t>Игрок</a:t>
-            </a:r>
-            <a:endParaRPr lang="ru-RU" dirty="0"/>
-          </a:p>
-        </p:txBody>
-      </p:sp>
-      <p:sp>
-        <p:nvSpPr>
-          <p:cNvPr id="3" name="Объект 2"/>
-          <p:cNvSpPr>
-            <a:spLocks noGrp="1"/>
-          </p:cNvSpPr>
-          <p:nvPr>
-            <p:ph idx="1"/>
-          </p:nvPr>
-        </p:nvSpPr>
-        <p:spPr/>
-        <p:txBody>
-          <a:bodyPr/>
-          <a:lstStyle/>
-          <a:p>
-            <a:r>
-              <a:rPr lang="ru-RU" dirty="0" smtClean="0"/>
-              <a:t>Базовое здоровье: 20</a:t>
-            </a:r>
-          </a:p>
-          <a:p>
-            <a:r>
-              <a:rPr lang="ru-RU" dirty="0" smtClean="0"/>
-              <a:t>Базовый урон: 4</a:t>
-            </a:r>
-          </a:p>
-          <a:p>
-            <a:r>
-              <a:rPr lang="ru-RU" dirty="0" smtClean="0"/>
-              <a:t>Доступные способности: исцеление</a:t>
-            </a:r>
-          </a:p>
-          <a:p>
-            <a:pPr marL="0" indent="0">
-              <a:buNone/>
-            </a:pPr>
-            <a:r>
-              <a:rPr lang="ru-RU" dirty="0" smtClean="0"/>
-              <a:t>При победе над противников урон и здоровье игрока увеличиваются на 20%</a:t>
-            </a:r>
-          </a:p>
-        </p:txBody>
-      </p:sp>
-    </p:spTree>
-    <p:extLst>
-      <p:ext uri="{BB962C8B-B14F-4D97-AF65-F5344CB8AC3E}">
-        <p14:creationId xmlns:p14="http://schemas.microsoft.com/office/powerpoint/2010/main" val="2013886718"/>
-      </p:ext>
-    </p:extLst>
-  </p:cSld>
-  <p:clrMapOvr>
-    <a:masterClrMapping/>
-  </p:clrMapOvr>
-  <p:timing>
-    <p:tnLst>
-      <p:par>
-        <p:cTn id="1" dur="indefinite" restart="never" nodeType="tmRoot"/>
-      </p:par>
-    </p:tnLst>
-  </p:timing>
-</p:sld>
-</file>
-
 <file path=ppt/slides/slide2.xml><?xml version="1.0" encoding="utf-8"?>
 <p:sld xmlns:a="http://schemas.openxmlformats.org/drawingml/2006/main" xmlns:r="http://schemas.openxmlformats.org/officeDocument/2006/relationships" xmlns:p="http://schemas.openxmlformats.org/presentationml/2006/main">
   <p:cSld>
@@ -13748,7 +13407,12 @@
             <p:ph idx="1"/>
           </p:nvPr>
         </p:nvSpPr>
-        <p:spPr/>
+        <p:spPr>
+          <a:xfrm>
+            <a:off x="1154955" y="2603500"/>
+            <a:ext cx="4488464" cy="3416300"/>
+          </a:xfrm>
+        </p:spPr>
         <p:txBody>
           <a:bodyPr/>
           <a:lstStyle/>
@@ -13766,11 +13430,64 @@
             </a:r>
             <a:r>
               <a:rPr lang="ru-RU" dirty="0"/>
-              <a:t>, пошаговая РПГ. Игрок непрерывно сражается с врагами, может атаковать и использовать различные способности.</a:t>
+              <a:t>, пошаговая РПГ. Игрок непрерывно сражается с врагами, может атаковать и использовать различные способности</a:t>
             </a:r>
+            <a:r>
+              <a:rPr lang="ru-RU" dirty="0" smtClean="0"/>
+              <a:t>.</a:t>
+            </a:r>
+            <a:br>
+              <a:rPr lang="ru-RU" dirty="0" smtClean="0"/>
+            </a:br>
+            <a:r>
+              <a:rPr lang="ru-RU" dirty="0" smtClean="0"/>
+              <a:t>После победы над врагом игрок становится сильнее, но сложность врагов повышается.</a:t>
+            </a:r>
+            <a:endParaRPr lang="ru-RU" dirty="0"/>
           </a:p>
         </p:txBody>
       </p:sp>
+      <p:pic>
+        <p:nvPicPr>
+          <p:cNvPr id="1026" name="Picture 2" descr="Зеленый пиксельный фон (189 фото) ."/>
+          <p:cNvPicPr>
+            <a:picLocks noChangeAspect="1" noChangeArrowheads="1"/>
+          </p:cNvPicPr>
+          <p:nvPr/>
+        </p:nvPicPr>
+        <p:blipFill>
+          <a:blip r:embed="rId2">
+            <a:extLst>
+              <a:ext uri="{28A0092B-C50C-407E-A947-70E740481C1C}">
+                <a14:useLocalDpi xmlns:a14="http://schemas.microsoft.com/office/drawing/2010/main" val="0"/>
+              </a:ext>
+            </a:extLst>
+          </a:blip>
+          <a:srcRect/>
+          <a:stretch>
+            <a:fillRect/>
+          </a:stretch>
+        </p:blipFill>
+        <p:spPr bwMode="auto">
+          <a:xfrm>
+            <a:off x="6972012" y="2504353"/>
+            <a:ext cx="4572000" cy="2562226"/>
+          </a:xfrm>
+          <a:prstGeom prst="rect">
+            <a:avLst/>
+          </a:prstGeom>
+          <a:noFill/>
+          <a:extLst>
+            <a:ext uri="{909E8E84-426E-40DD-AFC4-6F175D3DCCD1}">
+              <a14:hiddenFill xmlns:a14="http://schemas.microsoft.com/office/drawing/2010/main">
+                <a:solidFill>
+                  <a:srgbClr val="FFFFFF"/>
+                </a:solidFill>
+              </a14:hiddenFill>
+            </a:ext>
+          </a:extLst>
+        </p:spPr>
+      </p:pic>
     </p:spTree>
     <p:extLst>
       <p:ext uri="{BB962C8B-B14F-4D97-AF65-F5344CB8AC3E}">
@@ -13818,14 +13535,19 @@
             <p:ph type="title"/>
           </p:nvPr>
         </p:nvSpPr>
-        <p:spPr/>
+        <p:spPr>
+          <a:xfrm>
+            <a:off x="1062189" y="759701"/>
+            <a:ext cx="8761413" cy="706964"/>
+          </a:xfrm>
+        </p:spPr>
         <p:txBody>
           <a:bodyPr/>
           <a:lstStyle/>
           <a:p>
             <a:r>
               <a:rPr lang="ru-RU" dirty="0" smtClean="0"/>
-              <a:t>Техническое задание</a:t>
+              <a:t>Главное меню</a:t>
             </a:r>
             <a:endParaRPr lang="ru-RU" dirty="0"/>
           </a:p>
@@ -13841,7 +13563,12 @@
             <p:ph idx="1"/>
           </p:nvPr>
         </p:nvSpPr>
-        <p:spPr/>
+        <p:spPr>
+          <a:xfrm>
+            <a:off x="838200" y="2183706"/>
+            <a:ext cx="6079435" cy="4351338"/>
+          </a:xfrm>
+        </p:spPr>
         <p:txBody>
           <a:bodyPr/>
           <a:lstStyle/>
@@ -13850,17 +13577,45 @@
               <a:buNone/>
             </a:pPr>
             <a:r>
+              <a:rPr lang="ru-RU" dirty="0"/>
+              <a:t>Главное меню содержит две кнопки - начать новую игру и загрузить игру. В правом нижнем углу окна можно видеть лучший </a:t>
+            </a:r>
+            <a:r>
               <a:rPr lang="ru-RU" dirty="0" smtClean="0"/>
-              <a:t>Игра содержит два окна: главное меню и меню с игровым процессом</a:t>
+              <a:t>результат (в процессе).</a:t>
             </a:r>
             <a:endParaRPr lang="ru-RU" dirty="0"/>
           </a:p>
         </p:txBody>
       </p:sp>
+      <p:pic>
+        <p:nvPicPr>
+          <p:cNvPr id="6" name="Рисунок 5"/>
+          <p:cNvPicPr>
+            <a:picLocks noChangeAspect="1"/>
+          </p:cNvPicPr>
+          <p:nvPr/>
+        </p:nvPicPr>
+        <p:blipFill>
+          <a:blip r:embed="rId2"/>
+          <a:stretch>
+            <a:fillRect/>
+          </a:stretch>
+        </p:blipFill>
+        <p:spPr>
+          <a:xfrm>
+            <a:off x="6411334" y="477144"/>
+            <a:ext cx="5705475" cy="6057900"/>
+          </a:xfrm>
+          <a:prstGeom prst="rect">
+            <a:avLst/>
+          </a:prstGeom>
+        </p:spPr>
+      </p:pic>
     </p:spTree>
     <p:extLst>
       <p:ext uri="{BB962C8B-B14F-4D97-AF65-F5344CB8AC3E}">
-        <p14:creationId xmlns:p14="http://schemas.microsoft.com/office/powerpoint/2010/main" val="3028788246"/>
+        <p14:creationId xmlns:p14="http://schemas.microsoft.com/office/powerpoint/2010/main" val="3816361725"/>
       </p:ext>
     </p:extLst>
   </p:cSld>
@@ -13906,8 +13661,8 @@
         </p:nvSpPr>
         <p:spPr>
           <a:xfrm>
-            <a:off x="1062189" y="759701"/>
-            <a:ext cx="8761413" cy="706964"/>
+            <a:off x="848139" y="307250"/>
+            <a:ext cx="4486400" cy="1325563"/>
           </a:xfrm>
         </p:spPr>
         <p:txBody>
@@ -13916,7 +13671,7 @@
           <a:p>
             <a:r>
               <a:rPr lang="ru-RU" dirty="0" smtClean="0"/>
-              <a:t>Главное меню</a:t>
+              <a:t>Меню с игровым процессом</a:t>
             </a:r>
             <a:endParaRPr lang="ru-RU" dirty="0"/>
           </a:p>
@@ -13934,8 +13689,8 @@
         </p:nvSpPr>
         <p:spPr>
           <a:xfrm>
-            <a:off x="838200" y="2183706"/>
-            <a:ext cx="6079435" cy="4351338"/>
+            <a:off x="848139" y="2183434"/>
+            <a:ext cx="4290391" cy="4351338"/>
           </a:xfrm>
         </p:spPr>
         <p:txBody>
@@ -13946,20 +13701,19 @@
               <a:buNone/>
             </a:pPr>
             <a:r>
-              <a:rPr lang="ru-RU" dirty="0"/>
-              <a:t>Главное меню содержит две кнопки - начать новую игру и загрузить игру. В правом нижнем углу окна можно видеть лучший </a:t>
+              <a:rPr lang="ru-RU" dirty="0" smtClean="0"/>
+              <a:t>Меню </a:t>
             </a:r>
             <a:r>
-              <a:rPr lang="ru-RU" dirty="0" smtClean="0"/>
-              <a:t>результат (в процессе).</a:t>
+              <a:rPr lang="ru-RU" dirty="0"/>
+              <a:t>с игровым процессом состоит из пяти частей: меню с выбором действия, характеристики игрока, иконка врага, характеристики врага, лог действий. Доступные действия: атаковать, использовать способности</a:t>
             </a:r>
-            <a:endParaRPr lang="ru-RU" dirty="0"/>
           </a:p>
         </p:txBody>
       </p:sp>
       <p:pic>
         <p:nvPicPr>
-          <p:cNvPr id="5" name="Рисунок 4"/>
+          <p:cNvPr id="4" name="Рисунок 3"/>
           <p:cNvPicPr>
             <a:picLocks noChangeAspect="1"/>
           </p:cNvPicPr>
@@ -13973,8 +13727,8 @@
         </p:blipFill>
         <p:spPr>
           <a:xfrm>
-            <a:off x="6917635" y="1113183"/>
-            <a:ext cx="4678017" cy="5063780"/>
+            <a:off x="5334539" y="662609"/>
+            <a:ext cx="6687143" cy="5262563"/>
           </a:xfrm>
           <a:prstGeom prst="rect">
             <a:avLst/>
@@ -13984,7 +13738,7 @@
     </p:spTree>
     <p:extLst>
       <p:ext uri="{BB962C8B-B14F-4D97-AF65-F5344CB8AC3E}">
-        <p14:creationId xmlns:p14="http://schemas.microsoft.com/office/powerpoint/2010/main" val="3816361725"/>
+        <p14:creationId xmlns:p14="http://schemas.microsoft.com/office/powerpoint/2010/main" val="3057331694"/>
       </p:ext>
     </p:extLst>
   </p:cSld>
@@ -14028,19 +13782,14 @@
             <p:ph type="title"/>
           </p:nvPr>
         </p:nvSpPr>
-        <p:spPr>
-          <a:xfrm>
-            <a:off x="848139" y="307250"/>
-            <a:ext cx="4486400" cy="1325563"/>
-          </a:xfrm>
-        </p:spPr>
+        <p:spPr/>
         <p:txBody>
           <a:bodyPr/>
           <a:lstStyle/>
           <a:p>
             <a:r>
               <a:rPr lang="ru-RU" dirty="0" smtClean="0"/>
-              <a:t>Меню с игровым процессом</a:t>
+              <a:t>Игровой процесс</a:t>
             </a:r>
             <a:endParaRPr lang="ru-RU" dirty="0"/>
           </a:p>
@@ -14058,8 +13807,8 @@
         </p:nvSpPr>
         <p:spPr>
           <a:xfrm>
-            <a:off x="848139" y="2183434"/>
-            <a:ext cx="4290391" cy="4351338"/>
+            <a:off x="1154954" y="2603500"/>
+            <a:ext cx="4904101" cy="3416300"/>
           </a:xfrm>
         </p:spPr>
         <p:txBody>
@@ -14070,12 +13819,8 @@
               <a:buNone/>
             </a:pPr>
             <a:r>
-              <a:rPr lang="ru-RU" dirty="0" smtClean="0"/>
-              <a:t>Меню </a:t>
-            </a:r>
-            <a:r>
               <a:rPr lang="ru-RU" dirty="0"/>
-              <a:t>с игровым процессом состоит из пяти частей: меню с выбором действия, характеристики игрока, иконка врага, характеристики врага, лог действий. Доступные действия: атаковать, использовать способности</a:t>
+              <a:t>Противник и игрок поочерёдно выполняют свои ходы: атакуют врага или используют способности. При победе над противником игрок получает улучшение характеристик, после чего появляется новый враг который сильнее предыдущего.</a:t>
             </a:r>
           </a:p>
         </p:txBody>
@@ -14096,8 +13841,8 @@
         </p:blipFill>
         <p:spPr>
           <a:xfrm>
-            <a:off x="5334539" y="662609"/>
-            <a:ext cx="6687143" cy="5262563"/>
+            <a:off x="6955992" y="2291916"/>
+            <a:ext cx="5114925" cy="2809875"/>
           </a:xfrm>
           <a:prstGeom prst="rect">
             <a:avLst/>
@@ -14107,7 +13852,7 @@
     </p:spTree>
     <p:extLst>
       <p:ext uri="{BB962C8B-B14F-4D97-AF65-F5344CB8AC3E}">
-        <p14:creationId xmlns:p14="http://schemas.microsoft.com/office/powerpoint/2010/main" val="3057331694"/>
+        <p14:creationId xmlns:p14="http://schemas.microsoft.com/office/powerpoint/2010/main" val="4263462538"/>
       </p:ext>
     </p:extLst>
   </p:cSld>
@@ -14158,7 +13903,7 @@
           <a:p>
             <a:r>
               <a:rPr lang="ru-RU" dirty="0" smtClean="0"/>
-              <a:t>Игровой процесс</a:t>
+              <a:t>Способности</a:t>
             </a:r>
             <a:endParaRPr lang="ru-RU" dirty="0"/>
           </a:p>
@@ -14179,12 +13924,24 @@
           <a:bodyPr/>
           <a:lstStyle/>
           <a:p>
-            <a:pPr marL="0" indent="0">
-              <a:buNone/>
-            </a:pPr>
+            <a:r>
+              <a:rPr lang="ru-RU" dirty="0" smtClean="0"/>
+              <a:t>Исцеление - </a:t>
+            </a:r>
             <a:r>
               <a:rPr lang="ru-RU" dirty="0"/>
-              <a:t>Противник и игрок поочерёдно выполняют свои ходы: атакуют врага или используют способности. При победе над противником игрок получает улучшение характеристик, после чего появляется новый враг который сильнее предыдущего.</a:t>
+              <a:t>восполняет существу 20% от максимального запаса здоровья</a:t>
+            </a:r>
+            <a:endParaRPr lang="ru-RU" dirty="0" smtClean="0"/>
+          </a:p>
+          <a:p>
+            <a:r>
+              <a:rPr lang="ru-RU" dirty="0" smtClean="0"/>
+              <a:t>Блок - </a:t>
+            </a:r>
+            <a:r>
+              <a:rPr lang="ru-RU" dirty="0"/>
+              <a:t>накладывает на существо эффект "блок". Этот эффект снижает урон от следующей атаки по существу на 50%</a:t>
             </a:r>
           </a:p>
         </p:txBody>
@@ -14192,7 +13949,7 @@
     </p:spTree>
     <p:extLst>
       <p:ext uri="{BB962C8B-B14F-4D97-AF65-F5344CB8AC3E}">
-        <p14:creationId xmlns:p14="http://schemas.microsoft.com/office/powerpoint/2010/main" val="4263462538"/>
+        <p14:creationId xmlns:p14="http://schemas.microsoft.com/office/powerpoint/2010/main" val="3679173994"/>
       </p:ext>
     </p:extLst>
   </p:cSld>
@@ -14242,8 +13999,8 @@
           <a:lstStyle/>
           <a:p>
             <a:r>
-              <a:rPr lang="ru-RU" dirty="0" smtClean="0"/>
-              <a:t>Способности</a:t>
+              <a:rPr lang="ru-RU" dirty="0" err="1" smtClean="0"/>
+              <a:t>Джестер</a:t>
             </a:r>
             <a:endParaRPr lang="ru-RU" dirty="0"/>
           </a:p>
@@ -14266,30 +14023,51 @@
           <a:p>
             <a:r>
               <a:rPr lang="ru-RU" dirty="0" smtClean="0"/>
-              <a:t>Исцеление - </a:t>
+              <a:t>Базовая атака – 5</a:t>
             </a:r>
-            <a:r>
-              <a:rPr lang="ru-RU" dirty="0"/>
-              <a:t>восполняет существу 20% от максимального запаса здоровья</a:t>
-            </a:r>
-            <a:endParaRPr lang="ru-RU" dirty="0" smtClean="0"/>
           </a:p>
           <a:p>
             <a:r>
               <a:rPr lang="ru-RU" dirty="0" smtClean="0"/>
-              <a:t>Блок - </a:t>
+              <a:t>Базовое здоровье – 5</a:t>
             </a:r>
+          </a:p>
+          <a:p>
             <a:r>
-              <a:rPr lang="ru-RU" dirty="0"/>
-              <a:t>накладывает на существо эффект "блок". Этот эффект снижает урон от следующей атаки по существу на 50%</a:t>
+              <a:rPr lang="ru-RU" dirty="0" smtClean="0"/>
+              <a:t>Доступные способности – исцеление</a:t>
             </a:r>
           </a:p>
         </p:txBody>
       </p:sp>
+      <p:pic>
+        <p:nvPicPr>
+          <p:cNvPr id="4" name="Рисунок 3"/>
+          <p:cNvPicPr>
+            <a:picLocks noChangeAspect="1"/>
+          </p:cNvPicPr>
+          <p:nvPr/>
+        </p:nvPicPr>
+        <p:blipFill>
+          <a:blip r:embed="rId2"/>
+          <a:stretch>
+            <a:fillRect/>
+          </a:stretch>
+        </p:blipFill>
+        <p:spPr>
+          <a:xfrm>
+            <a:off x="8915400" y="1562894"/>
+            <a:ext cx="2438400" cy="2438400"/>
+          </a:xfrm>
+          <a:prstGeom prst="rect">
+            <a:avLst/>
+          </a:prstGeom>
+        </p:spPr>
+      </p:pic>
     </p:spTree>
     <p:extLst>
       <p:ext uri="{BB962C8B-B14F-4D97-AF65-F5344CB8AC3E}">
-        <p14:creationId xmlns:p14="http://schemas.microsoft.com/office/powerpoint/2010/main" val="3679173994"/>
+        <p14:creationId xmlns:p14="http://schemas.microsoft.com/office/powerpoint/2010/main" val="2859144897"/>
       </p:ext>
     </p:extLst>
   </p:cSld>
@@ -14340,7 +14118,7 @@
           <a:p>
             <a:r>
               <a:rPr lang="ru-RU" dirty="0" smtClean="0"/>
-              <a:t>Противники</a:t>
+              <a:t>Гриб</a:t>
             </a:r>
             <a:endParaRPr lang="ru-RU" dirty="0"/>
           </a:p>
@@ -14361,54 +14139,53 @@
           <a:bodyPr/>
           <a:lstStyle/>
           <a:p>
-            <a:pPr marL="0" indent="0">
-              <a:buNone/>
-            </a:pPr>
             <a:r>
               <a:rPr lang="ru-RU" dirty="0" smtClean="0"/>
-              <a:t>Урон и здоровье противников зависят от количества побеждённых ранее противников</a:t>
+              <a:t>Базовая атака – 2</a:t>
             </a:r>
-            <a:r>
-              <a:rPr lang="ru-RU" dirty="0"/>
-              <a:t>, </a:t>
-            </a:r>
+          </a:p>
+          <a:p>
             <a:r>
               <a:rPr lang="ru-RU" dirty="0" smtClean="0"/>
-              <a:t>считаются </a:t>
+              <a:t>Базовое здоровье – 20</a:t>
             </a:r>
-            <a:r>
-              <a:rPr lang="ru-RU" dirty="0"/>
-              <a:t>по формуле: </a:t>
-            </a:r>
-            <a:endParaRPr lang="ru-RU" dirty="0" smtClean="0"/>
-          </a:p>
-          <a:p>
-            <a:pPr marL="0" indent="0">
-              <a:buNone/>
-            </a:pPr>
+          </a:p>
+          <a:p>
             <a:r>
               <a:rPr lang="ru-RU" dirty="0" smtClean="0"/>
-              <a:t>базовое </a:t>
-            </a:r>
-            <a:r>
-              <a:rPr lang="ru-RU" dirty="0"/>
-              <a:t>значение * </a:t>
-            </a:r>
-            <a:r>
-              <a:rPr lang="ru-RU" dirty="0" smtClean="0"/>
-              <a:t>1.25 ^ кол-во </a:t>
-            </a:r>
-            <a:r>
-              <a:rPr lang="ru-RU" dirty="0"/>
-              <a:t>побеждённых соперников</a:t>
+              <a:t>Доступные способности: исцеление</a:t>
             </a:r>
           </a:p>
         </p:txBody>
       </p:sp>
+      <p:pic>
+        <p:nvPicPr>
+          <p:cNvPr id="4" name="Рисунок 3"/>
+          <p:cNvPicPr>
+            <a:picLocks noChangeAspect="1"/>
+          </p:cNvPicPr>
+          <p:nvPr/>
+        </p:nvPicPr>
+        <p:blipFill>
+          <a:blip r:embed="rId2"/>
+          <a:stretch>
+            <a:fillRect/>
+          </a:stretch>
+        </p:blipFill>
+        <p:spPr>
+          <a:xfrm>
+            <a:off x="8915400" y="1690688"/>
+            <a:ext cx="2438400" cy="2438400"/>
+          </a:xfrm>
+          <a:prstGeom prst="rect">
+            <a:avLst/>
+          </a:prstGeom>
+        </p:spPr>
+      </p:pic>
     </p:spTree>
     <p:extLst>
       <p:ext uri="{BB962C8B-B14F-4D97-AF65-F5344CB8AC3E}">
-        <p14:creationId xmlns:p14="http://schemas.microsoft.com/office/powerpoint/2010/main" val="3618725430"/>
+        <p14:creationId xmlns:p14="http://schemas.microsoft.com/office/powerpoint/2010/main" val="3422081735"/>
       </p:ext>
     </p:extLst>
   </p:cSld>
@@ -14458,8 +14235,12 @@
           <a:lstStyle/>
           <a:p>
             <a:r>
+              <a:rPr lang="ru-RU" dirty="0" smtClean="0"/>
+              <a:t>Каменный </a:t>
+            </a:r>
+            <a:r>
               <a:rPr lang="ru-RU" dirty="0" err="1" smtClean="0"/>
-              <a:t>Джестер</a:t>
+              <a:t>голем</a:t>
             </a:r>
             <a:endParaRPr lang="ru-RU" dirty="0"/>
           </a:p>
@@ -14482,19 +14263,19 @@
           <a:p>
             <a:r>
               <a:rPr lang="ru-RU" dirty="0" smtClean="0"/>
-              <a:t>Базовая атака – 5</a:t>
+              <a:t>Базовая атака – 1</a:t>
             </a:r>
           </a:p>
           <a:p>
             <a:r>
               <a:rPr lang="ru-RU" dirty="0" smtClean="0"/>
-              <a:t>Базовое здоровье – 5</a:t>
+              <a:t>Базовое здоровье – 30</a:t>
             </a:r>
           </a:p>
           <a:p>
             <a:r>
               <a:rPr lang="ru-RU" dirty="0" smtClean="0"/>
-              <a:t>Доступные способности – исцеление</a:t>
+              <a:t>Доступные способности – исцеление, блок</a:t>
             </a:r>
           </a:p>
         </p:txBody>
@@ -14526,7 +14307,7 @@
     </p:spTree>
     <p:extLst>
       <p:ext uri="{BB962C8B-B14F-4D97-AF65-F5344CB8AC3E}">
-        <p14:creationId xmlns:p14="http://schemas.microsoft.com/office/powerpoint/2010/main" val="2859144897"/>
+        <p14:creationId xmlns:p14="http://schemas.microsoft.com/office/powerpoint/2010/main" val="2687391448"/>
       </p:ext>
     </p:extLst>
   </p:cSld>

--- a/Игра Daggerfall.pptx
+++ b/Игра Daggerfall.pptx
@@ -11,9 +11,7 @@
     <p:sldId id="261" r:id="rId5"/>
     <p:sldId id="262" r:id="rId6"/>
     <p:sldId id="263" r:id="rId7"/>
-    <p:sldId id="265" r:id="rId8"/>
-    <p:sldId id="266" r:id="rId9"/>
-    <p:sldId id="267" r:id="rId10"/>
+    <p:sldId id="264" r:id="rId8"/>
   </p:sldIdLst>
   <p:sldSz cx="12192000" cy="6858000"/>
   <p:notesSz cx="6858000" cy="9144000"/>
@@ -455,7 +453,7 @@
           <a:p>
             <a:fld id="{8559758C-A112-42A3-BE09-975A87A17DDF}" type="datetimeFigureOut">
               <a:rPr lang="ru-RU" smtClean="0"/>
-              <a:t>10.11.2022</a:t>
+              <a:t>20.11.2022</a:t>
             </a:fld>
             <a:endParaRPr lang="ru-RU"/>
           </a:p>
@@ -1543,7 +1541,7 @@
           <a:p>
             <a:fld id="{8559758C-A112-42A3-BE09-975A87A17DDF}" type="datetimeFigureOut">
               <a:rPr lang="ru-RU" smtClean="0"/>
-              <a:t>10.11.2022</a:t>
+              <a:t>20.11.2022</a:t>
             </a:fld>
             <a:endParaRPr lang="ru-RU"/>
           </a:p>
@@ -2523,7 +2521,7 @@
           <a:p>
             <a:fld id="{8559758C-A112-42A3-BE09-975A87A17DDF}" type="datetimeFigureOut">
               <a:rPr lang="ru-RU" smtClean="0"/>
-              <a:t>10.11.2022</a:t>
+              <a:t>20.11.2022</a:t>
             </a:fld>
             <a:endParaRPr lang="ru-RU"/>
           </a:p>
@@ -3657,7 +3655,7 @@
           <a:p>
             <a:fld id="{8559758C-A112-42A3-BE09-975A87A17DDF}" type="datetimeFigureOut">
               <a:rPr lang="ru-RU" smtClean="0"/>
-              <a:t>10.11.2022</a:t>
+              <a:t>20.11.2022</a:t>
             </a:fld>
             <a:endParaRPr lang="ru-RU"/>
           </a:p>
@@ -4690,7 +4688,7 @@
           <a:p>
             <a:fld id="{8559758C-A112-42A3-BE09-975A87A17DDF}" type="datetimeFigureOut">
               <a:rPr lang="ru-RU" smtClean="0"/>
-              <a:t>10.11.2022</a:t>
+              <a:t>20.11.2022</a:t>
             </a:fld>
             <a:endParaRPr lang="ru-RU"/>
           </a:p>
@@ -5350,7 +5348,7 @@
           <a:p>
             <a:fld id="{8559758C-A112-42A3-BE09-975A87A17DDF}" type="datetimeFigureOut">
               <a:rPr lang="ru-RU" smtClean="0"/>
-              <a:t>10.11.2022</a:t>
+              <a:t>20.11.2022</a:t>
             </a:fld>
             <a:endParaRPr lang="ru-RU"/>
           </a:p>
@@ -6211,7 +6209,7 @@
           <a:p>
             <a:fld id="{8559758C-A112-42A3-BE09-975A87A17DDF}" type="datetimeFigureOut">
               <a:rPr lang="ru-RU" smtClean="0"/>
-              <a:t>10.11.2022</a:t>
+              <a:t>20.11.2022</a:t>
             </a:fld>
             <a:endParaRPr lang="ru-RU"/>
           </a:p>
@@ -6401,7 +6399,7 @@
           <a:p>
             <a:fld id="{8559758C-A112-42A3-BE09-975A87A17DDF}" type="datetimeFigureOut">
               <a:rPr lang="ru-RU" smtClean="0"/>
-              <a:t>10.11.2022</a:t>
+              <a:t>20.11.2022</a:t>
             </a:fld>
             <a:endParaRPr lang="ru-RU"/>
           </a:p>
@@ -7373,7 +7371,7 @@
           <a:p>
             <a:fld id="{8559758C-A112-42A3-BE09-975A87A17DDF}" type="datetimeFigureOut">
               <a:rPr lang="ru-RU" smtClean="0"/>
-              <a:t>10.11.2022</a:t>
+              <a:t>20.11.2022</a:t>
             </a:fld>
             <a:endParaRPr lang="ru-RU"/>
           </a:p>
@@ -7584,7 +7582,7 @@
           <a:p>
             <a:fld id="{8559758C-A112-42A3-BE09-975A87A17DDF}" type="datetimeFigureOut">
               <a:rPr lang="ru-RU" smtClean="0"/>
-              <a:t>10.11.2022</a:t>
+              <a:t>20.11.2022</a:t>
             </a:fld>
             <a:endParaRPr lang="ru-RU"/>
           </a:p>
@@ -8618,7 +8616,7 @@
           <a:p>
             <a:fld id="{8559758C-A112-42A3-BE09-975A87A17DDF}" type="datetimeFigureOut">
               <a:rPr lang="ru-RU" smtClean="0"/>
-              <a:t>10.11.2022</a:t>
+              <a:t>20.11.2022</a:t>
             </a:fld>
             <a:endParaRPr lang="ru-RU"/>
           </a:p>
@@ -8890,7 +8888,7 @@
           <a:p>
             <a:fld id="{8559758C-A112-42A3-BE09-975A87A17DDF}" type="datetimeFigureOut">
               <a:rPr lang="ru-RU" smtClean="0"/>
-              <a:t>10.11.2022</a:t>
+              <a:t>20.11.2022</a:t>
             </a:fld>
             <a:endParaRPr lang="ru-RU"/>
           </a:p>
@@ -9300,7 +9298,7 @@
           <a:p>
             <a:fld id="{8559758C-A112-42A3-BE09-975A87A17DDF}" type="datetimeFigureOut">
               <a:rPr lang="ru-RU" smtClean="0"/>
-              <a:t>10.11.2022</a:t>
+              <a:t>20.11.2022</a:t>
             </a:fld>
             <a:endParaRPr lang="ru-RU"/>
           </a:p>
@@ -9427,7 +9425,7 @@
           <a:p>
             <a:fld id="{8559758C-A112-42A3-BE09-975A87A17DDF}" type="datetimeFigureOut">
               <a:rPr lang="ru-RU" smtClean="0"/>
-              <a:t>10.11.2022</a:t>
+              <a:t>20.11.2022</a:t>
             </a:fld>
             <a:endParaRPr lang="ru-RU"/>
           </a:p>
@@ -9522,7 +9520,7 @@
           <a:p>
             <a:fld id="{8559758C-A112-42A3-BE09-975A87A17DDF}" type="datetimeFigureOut">
               <a:rPr lang="ru-RU" smtClean="0"/>
-              <a:t>10.11.2022</a:t>
+              <a:t>20.11.2022</a:t>
             </a:fld>
             <a:endParaRPr lang="ru-RU"/>
           </a:p>
@@ -10603,7 +10601,7 @@
           <a:p>
             <a:fld id="{8559758C-A112-42A3-BE09-975A87A17DDF}" type="datetimeFigureOut">
               <a:rPr lang="ru-RU" smtClean="0"/>
-              <a:t>10.11.2022</a:t>
+              <a:t>20.11.2022</a:t>
             </a:fld>
             <a:endParaRPr lang="ru-RU"/>
           </a:p>
@@ -11711,7 +11709,7 @@
           <a:p>
             <a:fld id="{8559758C-A112-42A3-BE09-975A87A17DDF}" type="datetimeFigureOut">
               <a:rPr lang="ru-RU" smtClean="0"/>
-              <a:t>10.11.2022</a:t>
+              <a:t>20.11.2022</a:t>
             </a:fld>
             <a:endParaRPr lang="ru-RU"/>
           </a:p>
@@ -12708,7 +12706,7 @@
           <a:p>
             <a:fld id="{8559758C-A112-42A3-BE09-975A87A17DDF}" type="datetimeFigureOut">
               <a:rPr lang="ru-RU" smtClean="0"/>
-              <a:t>10.11.2022</a:t>
+              <a:t>20.11.2022</a:t>
             </a:fld>
             <a:endParaRPr lang="ru-RU"/>
           </a:p>
@@ -13447,47 +13445,6 @@
           </a:p>
         </p:txBody>
       </p:sp>
-      <p:pic>
-        <p:nvPicPr>
-          <p:cNvPr id="1026" name="Picture 2" descr="Зеленый пиксельный фон (189 фото) ."/>
-          <p:cNvPicPr>
-            <a:picLocks noChangeAspect="1" noChangeArrowheads="1"/>
-          </p:cNvPicPr>
-          <p:nvPr/>
-        </p:nvPicPr>
-        <p:blipFill>
-          <a:blip r:embed="rId2">
-            <a:extLst>
-              <a:ext uri="{28A0092B-C50C-407E-A947-70E740481C1C}">
-                <a14:useLocalDpi xmlns:a14="http://schemas.microsoft.com/office/drawing/2010/main" val="0"/>
-              </a:ext>
-            </a:extLst>
-          </a:blip>
-          <a:srcRect/>
-          <a:stretch>
-            <a:fillRect/>
-          </a:stretch>
-        </p:blipFill>
-        <p:spPr bwMode="auto">
-          <a:xfrm>
-            <a:off x="6972012" y="2504353"/>
-            <a:ext cx="4572000" cy="2562226"/>
-          </a:xfrm>
-          <a:prstGeom prst="rect">
-            <a:avLst/>
-          </a:prstGeom>
-          <a:noFill/>
-          <a:extLst>
-            <a:ext uri="{909E8E84-426E-40DD-AFC4-6F175D3DCCD1}">
-              <a14:hiddenFill xmlns:a14="http://schemas.microsoft.com/office/drawing/2010/main">
-                <a:solidFill>
-                  <a:srgbClr val="FFFFFF"/>
-                </a:solidFill>
-              </a14:hiddenFill>
-            </a:ext>
-          </a:extLst>
-        </p:spPr>
-      </p:pic>
     </p:spTree>
     <p:extLst>
       <p:ext uri="{BB962C8B-B14F-4D97-AF65-F5344CB8AC3E}">
@@ -13706,14 +13663,19 @@
             </a:r>
             <a:r>
               <a:rPr lang="ru-RU" dirty="0"/>
-              <a:t>с игровым процессом состоит из пяти частей: меню с выбором действия, характеристики игрока, иконка врага, характеристики врага, лог действий. Доступные действия: атаковать, использовать способности</a:t>
+              <a:t>с игровым процессом состоит из пяти частей: меню с выбором действия, характеристики игрока, иконка врага, характеристики врага, лог действий. Доступные действия: атаковать, </a:t>
             </a:r>
+            <a:r>
+              <a:rPr lang="ru-RU" dirty="0" smtClean="0"/>
+              <a:t>исцелиться, умереть (закончить игру)</a:t>
+            </a:r>
+            <a:endParaRPr lang="ru-RU" dirty="0"/>
           </a:p>
         </p:txBody>
       </p:sp>
       <p:pic>
         <p:nvPicPr>
-          <p:cNvPr id="4" name="Рисунок 3"/>
+          <p:cNvPr id="6" name="Рисунок 5"/>
           <p:cNvPicPr>
             <a:picLocks noChangeAspect="1"/>
           </p:cNvPicPr>
@@ -13727,8 +13689,8 @@
         </p:blipFill>
         <p:spPr>
           <a:xfrm>
-            <a:off x="5334539" y="662609"/>
-            <a:ext cx="6687143" cy="5262563"/>
+            <a:off x="5334539" y="1632813"/>
+            <a:ext cx="6210300" cy="4524375"/>
           </a:xfrm>
           <a:prstGeom prst="rect">
             <a:avLst/>
@@ -13827,7 +13789,7 @@
       </p:sp>
       <p:pic>
         <p:nvPicPr>
-          <p:cNvPr id="4" name="Рисунок 3"/>
+          <p:cNvPr id="5" name="Рисунок 4"/>
           <p:cNvPicPr>
             <a:picLocks noChangeAspect="1"/>
           </p:cNvPicPr>
@@ -13841,8 +13803,8 @@
         </p:blipFill>
         <p:spPr>
           <a:xfrm>
-            <a:off x="6955992" y="2291916"/>
-            <a:ext cx="5114925" cy="2809875"/>
+            <a:off x="6721129" y="2603500"/>
+            <a:ext cx="5057775" cy="2428875"/>
           </a:xfrm>
           <a:prstGeom prst="rect">
             <a:avLst/>
@@ -13926,7 +13888,18 @@
           <a:p>
             <a:r>
               <a:rPr lang="ru-RU" dirty="0" smtClean="0"/>
-              <a:t>Исцеление - </a:t>
+              <a:t>Атака – атакует врага</a:t>
+            </a:r>
+            <a:endParaRPr lang="ru-RU" dirty="0"/>
+          </a:p>
+          <a:p>
+            <a:r>
+              <a:rPr lang="ru-RU" dirty="0" smtClean="0"/>
+              <a:t>Исцеление </a:t>
+            </a:r>
+            <a:r>
+              <a:rPr lang="ru-RU" dirty="0" smtClean="0"/>
+              <a:t>- </a:t>
             </a:r>
             <a:r>
               <a:rPr lang="ru-RU" dirty="0"/>
@@ -13999,8 +13972,8 @@
           <a:lstStyle/>
           <a:p>
             <a:r>
-              <a:rPr lang="ru-RU" dirty="0" err="1" smtClean="0"/>
-              <a:t>Джестер</a:t>
+              <a:rPr lang="ru-RU" dirty="0" smtClean="0"/>
+              <a:t>Поведение противников</a:t>
             </a:r>
             <a:endParaRPr lang="ru-RU" dirty="0"/>
           </a:p>
@@ -14016,311 +13989,33 @@
             <p:ph idx="1"/>
           </p:nvPr>
         </p:nvSpPr>
-        <p:spPr/>
+        <p:spPr>
+          <a:xfrm>
+            <a:off x="1154955" y="2603500"/>
+            <a:ext cx="5391620" cy="3416300"/>
+          </a:xfrm>
+        </p:spPr>
         <p:txBody>
           <a:bodyPr/>
           <a:lstStyle/>
           <a:p>
             <a:r>
               <a:rPr lang="ru-RU" dirty="0" smtClean="0"/>
-              <a:t>Базовая атака – 5</a:t>
-            </a:r>
-          </a:p>
-          <a:p>
-            <a:r>
-              <a:rPr lang="ru-RU" dirty="0" smtClean="0"/>
-              <a:t>Базовое здоровье – 5</a:t>
-            </a:r>
-          </a:p>
-          <a:p>
-            <a:r>
-              <a:rPr lang="ru-RU" dirty="0" smtClean="0"/>
-              <a:t>Доступные способности – исцеление</a:t>
+              <a:t>Каждый противник имеет уникальные характеристики и поведение. Поведение противника зависит от его характеристик</a:t>
             </a:r>
           </a:p>
         </p:txBody>
       </p:sp>
-      <p:pic>
-        <p:nvPicPr>
-          <p:cNvPr id="4" name="Рисунок 3"/>
-          <p:cNvPicPr>
-            <a:picLocks noChangeAspect="1"/>
-          </p:cNvPicPr>
-          <p:nvPr/>
-        </p:nvPicPr>
-        <p:blipFill>
-          <a:blip r:embed="rId2"/>
-          <a:stretch>
-            <a:fillRect/>
-          </a:stretch>
-        </p:blipFill>
-        <p:spPr>
-          <a:xfrm>
-            <a:off x="8915400" y="1562894"/>
-            <a:ext cx="2438400" cy="2438400"/>
-          </a:xfrm>
-          <a:prstGeom prst="rect">
-            <a:avLst/>
-          </a:prstGeom>
-        </p:spPr>
-      </p:pic>
     </p:spTree>
     <p:extLst>
       <p:ext uri="{BB962C8B-B14F-4D97-AF65-F5344CB8AC3E}">
-        <p14:creationId xmlns:p14="http://schemas.microsoft.com/office/powerpoint/2010/main" val="2859144897"/>
+        <p14:creationId xmlns:p14="http://schemas.microsoft.com/office/powerpoint/2010/main" val="3648143916"/>
       </p:ext>
     </p:extLst>
   </p:cSld>
   <p:clrMapOvr>
     <a:masterClrMapping/>
   </p:clrMapOvr>
-  <p:timing>
-    <p:tnLst>
-      <p:par>
-        <p:cTn id="1" dur="indefinite" restart="never" nodeType="tmRoot"/>
-      </p:par>
-    </p:tnLst>
-  </p:timing>
-</p:sld>
-</file>
-
-<file path=ppt/slides/slide8.xml><?xml version="1.0" encoding="utf-8"?>
-<p:sld xmlns:a="http://schemas.openxmlformats.org/drawingml/2006/main" xmlns:r="http://schemas.openxmlformats.org/officeDocument/2006/relationships" xmlns:p="http://schemas.openxmlformats.org/presentationml/2006/main">
-  <p:cSld>
-    <p:spTree>
-      <p:nvGrpSpPr>
-        <p:cNvPr id="1" name=""/>
-        <p:cNvGrpSpPr/>
-        <p:nvPr/>
-      </p:nvGrpSpPr>
-      <p:grpSpPr>
-        <a:xfrm>
-          <a:off x="0" y="0"/>
-          <a:ext cx="0" cy="0"/>
-          <a:chOff x="0" y="0"/>
-          <a:chExt cx="0" cy="0"/>
-        </a:xfrm>
-      </p:grpSpPr>
-      <p:sp>
-        <p:nvSpPr>
-          <p:cNvPr id="2" name="Заголовок 1"/>
-          <p:cNvSpPr>
-            <a:spLocks noGrp="1"/>
-          </p:cNvSpPr>
-          <p:nvPr>
-            <p:ph type="title"/>
-          </p:nvPr>
-        </p:nvSpPr>
-        <p:spPr/>
-        <p:txBody>
-          <a:bodyPr/>
-          <a:lstStyle/>
-          <a:p>
-            <a:r>
-              <a:rPr lang="ru-RU" dirty="0" smtClean="0"/>
-              <a:t>Гриб</a:t>
-            </a:r>
-            <a:endParaRPr lang="ru-RU" dirty="0"/>
-          </a:p>
-        </p:txBody>
-      </p:sp>
-      <p:sp>
-        <p:nvSpPr>
-          <p:cNvPr id="3" name="Объект 2"/>
-          <p:cNvSpPr>
-            <a:spLocks noGrp="1"/>
-          </p:cNvSpPr>
-          <p:nvPr>
-            <p:ph idx="1"/>
-          </p:nvPr>
-        </p:nvSpPr>
-        <p:spPr/>
-        <p:txBody>
-          <a:bodyPr/>
-          <a:lstStyle/>
-          <a:p>
-            <a:r>
-              <a:rPr lang="ru-RU" dirty="0" smtClean="0"/>
-              <a:t>Базовая атака – 2</a:t>
-            </a:r>
-          </a:p>
-          <a:p>
-            <a:r>
-              <a:rPr lang="ru-RU" dirty="0" smtClean="0"/>
-              <a:t>Базовое здоровье – 20</a:t>
-            </a:r>
-          </a:p>
-          <a:p>
-            <a:r>
-              <a:rPr lang="ru-RU" dirty="0" smtClean="0"/>
-              <a:t>Доступные способности: исцеление</a:t>
-            </a:r>
-          </a:p>
-        </p:txBody>
-      </p:sp>
-      <p:pic>
-        <p:nvPicPr>
-          <p:cNvPr id="4" name="Рисунок 3"/>
-          <p:cNvPicPr>
-            <a:picLocks noChangeAspect="1"/>
-          </p:cNvPicPr>
-          <p:nvPr/>
-        </p:nvPicPr>
-        <p:blipFill>
-          <a:blip r:embed="rId2"/>
-          <a:stretch>
-            <a:fillRect/>
-          </a:stretch>
-        </p:blipFill>
-        <p:spPr>
-          <a:xfrm>
-            <a:off x="8915400" y="1690688"/>
-            <a:ext cx="2438400" cy="2438400"/>
-          </a:xfrm>
-          <a:prstGeom prst="rect">
-            <a:avLst/>
-          </a:prstGeom>
-        </p:spPr>
-      </p:pic>
-    </p:spTree>
-    <p:extLst>
-      <p:ext uri="{BB962C8B-B14F-4D97-AF65-F5344CB8AC3E}">
-        <p14:creationId xmlns:p14="http://schemas.microsoft.com/office/powerpoint/2010/main" val="3422081735"/>
-      </p:ext>
-    </p:extLst>
-  </p:cSld>
-  <p:clrMapOvr>
-    <a:masterClrMapping/>
-  </p:clrMapOvr>
-  <p:timing>
-    <p:tnLst>
-      <p:par>
-        <p:cTn id="1" dur="indefinite" restart="never" nodeType="tmRoot"/>
-      </p:par>
-    </p:tnLst>
-  </p:timing>
-</p:sld>
-</file>
-
-<file path=ppt/slides/slide9.xml><?xml version="1.0" encoding="utf-8"?>
-<p:sld xmlns:a="http://schemas.openxmlformats.org/drawingml/2006/main" xmlns:r="http://schemas.openxmlformats.org/officeDocument/2006/relationships" xmlns:p="http://schemas.openxmlformats.org/presentationml/2006/main">
-  <p:cSld>
-    <p:spTree>
-      <p:nvGrpSpPr>
-        <p:cNvPr id="1" name=""/>
-        <p:cNvGrpSpPr/>
-        <p:nvPr/>
-      </p:nvGrpSpPr>
-      <p:grpSpPr>
-        <a:xfrm>
-          <a:off x="0" y="0"/>
-          <a:ext cx="0" cy="0"/>
-          <a:chOff x="0" y="0"/>
-          <a:chExt cx="0" cy="0"/>
-        </a:xfrm>
-      </p:grpSpPr>
-      <p:sp>
-        <p:nvSpPr>
-          <p:cNvPr id="2" name="Заголовок 1"/>
-          <p:cNvSpPr>
-            <a:spLocks noGrp="1"/>
-          </p:cNvSpPr>
-          <p:nvPr>
-            <p:ph type="title"/>
-          </p:nvPr>
-        </p:nvSpPr>
-        <p:spPr/>
-        <p:txBody>
-          <a:bodyPr/>
-          <a:lstStyle/>
-          <a:p>
-            <a:r>
-              <a:rPr lang="ru-RU" dirty="0" smtClean="0"/>
-              <a:t>Каменный </a:t>
-            </a:r>
-            <a:r>
-              <a:rPr lang="ru-RU" dirty="0" err="1" smtClean="0"/>
-              <a:t>голем</a:t>
-            </a:r>
-            <a:endParaRPr lang="ru-RU" dirty="0"/>
-          </a:p>
-        </p:txBody>
-      </p:sp>
-      <p:sp>
-        <p:nvSpPr>
-          <p:cNvPr id="3" name="Объект 2"/>
-          <p:cNvSpPr>
-            <a:spLocks noGrp="1"/>
-          </p:cNvSpPr>
-          <p:nvPr>
-            <p:ph idx="1"/>
-          </p:nvPr>
-        </p:nvSpPr>
-        <p:spPr/>
-        <p:txBody>
-          <a:bodyPr/>
-          <a:lstStyle/>
-          <a:p>
-            <a:r>
-              <a:rPr lang="ru-RU" dirty="0" smtClean="0"/>
-              <a:t>Базовая атака – 1</a:t>
-            </a:r>
-          </a:p>
-          <a:p>
-            <a:r>
-              <a:rPr lang="ru-RU" dirty="0" smtClean="0"/>
-              <a:t>Базовое здоровье – 30</a:t>
-            </a:r>
-          </a:p>
-          <a:p>
-            <a:r>
-              <a:rPr lang="ru-RU" dirty="0" smtClean="0"/>
-              <a:t>Доступные способности – исцеление, блок</a:t>
-            </a:r>
-          </a:p>
-        </p:txBody>
-      </p:sp>
-      <p:pic>
-        <p:nvPicPr>
-          <p:cNvPr id="4" name="Рисунок 3"/>
-          <p:cNvPicPr>
-            <a:picLocks noChangeAspect="1"/>
-          </p:cNvPicPr>
-          <p:nvPr/>
-        </p:nvPicPr>
-        <p:blipFill>
-          <a:blip r:embed="rId2"/>
-          <a:stretch>
-            <a:fillRect/>
-          </a:stretch>
-        </p:blipFill>
-        <p:spPr>
-          <a:xfrm>
-            <a:off x="8915400" y="1562894"/>
-            <a:ext cx="2438400" cy="2438400"/>
-          </a:xfrm>
-          <a:prstGeom prst="rect">
-            <a:avLst/>
-          </a:prstGeom>
-        </p:spPr>
-      </p:pic>
-    </p:spTree>
-    <p:extLst>
-      <p:ext uri="{BB962C8B-B14F-4D97-AF65-F5344CB8AC3E}">
-        <p14:creationId xmlns:p14="http://schemas.microsoft.com/office/powerpoint/2010/main" val="2687391448"/>
-      </p:ext>
-    </p:extLst>
-  </p:cSld>
-  <p:clrMapOvr>
-    <a:masterClrMapping/>
-  </p:clrMapOvr>
-  <p:timing>
-    <p:tnLst>
-      <p:par>
-        <p:cTn id="1" dur="indefinite" restart="never" nodeType="tmRoot"/>
-      </p:par>
-    </p:tnLst>
-  </p:timing>
 </p:sld>
 </file>
 
